--- a/project/ppt - 복사본.pptx
+++ b/project/ppt - 복사본.pptx
@@ -118,7 +118,7 @@
   </p:defaultTextStyle>
   <p:extLst>
     <p:ext uri="{EFAFB233-063F-42B5-8137-9DF3F51BA10A}">
-      <p15:sldGuideLst xmlns:p15="http://schemas.microsoft.com/office/powerpoint/2012/main">
+      <p15:sldGuideLst xmlns:p15="http://schemas.microsoft.com/office/powerpoint/2012/main" xmlns="">
         <p15:guide id="1" orient="horz" pos="2160" userDrawn="1">
           <p15:clr>
             <a:srgbClr val="A4A3A4"/>
@@ -217,7 +217,7 @@
           <a:p>
             <a:fld id="{A895383A-141F-4700-A643-CC554B924DF2}" type="datetimeFigureOut">
               <a:rPr lang="ko-KR" altLang="en-US" smtClean="0"/>
-              <a:t>2024-08-22</a:t>
+              <a:t>2024-08-23</a:t>
             </a:fld>
             <a:endParaRPr lang="ko-KR" altLang="en-US"/>
           </a:p>
@@ -507,7 +507,7 @@
           <p:cNvPr id="2" name="제목 1">
             <a:extLst>
               <a:ext uri="{FF2B5EF4-FFF2-40B4-BE49-F238E27FC236}">
-                <a16:creationId xmlns:a16="http://schemas.microsoft.com/office/drawing/2014/main" id="{CC10B6B7-9287-7501-CDA6-8356E75D1316}"/>
+                <a16:creationId xmlns:a16="http://schemas.microsoft.com/office/drawing/2014/main" xmlns="" id="{CC10B6B7-9287-7501-CDA6-8356E75D1316}"/>
               </a:ext>
             </a:extLst>
           </p:cNvPr>
@@ -544,7 +544,7 @@
           <p:cNvPr id="3" name="부제목 2">
             <a:extLst>
               <a:ext uri="{FF2B5EF4-FFF2-40B4-BE49-F238E27FC236}">
-                <a16:creationId xmlns:a16="http://schemas.microsoft.com/office/drawing/2014/main" id="{E81D7789-CFE6-22C9-EB44-6E3D7665CB9E}"/>
+                <a16:creationId xmlns:a16="http://schemas.microsoft.com/office/drawing/2014/main" xmlns="" id="{E81D7789-CFE6-22C9-EB44-6E3D7665CB9E}"/>
               </a:ext>
             </a:extLst>
           </p:cNvPr>
@@ -614,7 +614,7 @@
           <p:cNvPr id="4" name="날짜 개체 틀 3">
             <a:extLst>
               <a:ext uri="{FF2B5EF4-FFF2-40B4-BE49-F238E27FC236}">
-                <a16:creationId xmlns:a16="http://schemas.microsoft.com/office/drawing/2014/main" id="{BABCA949-B4EE-25C2-426F-595ACA294586}"/>
+                <a16:creationId xmlns:a16="http://schemas.microsoft.com/office/drawing/2014/main" xmlns="" id="{BABCA949-B4EE-25C2-426F-595ACA294586}"/>
               </a:ext>
             </a:extLst>
           </p:cNvPr>
@@ -632,7 +632,7 @@
           <a:p>
             <a:fld id="{5FDD9093-8506-42E9-85E4-BABCDA6FD785}" type="datetime1">
               <a:rPr lang="ko-KR" altLang="en-US" smtClean="0"/>
-              <a:t>2024-08-22</a:t>
+              <a:t>2024-08-23</a:t>
             </a:fld>
             <a:endParaRPr lang="ko-KR" altLang="en-US"/>
           </a:p>
@@ -643,7 +643,7 @@
           <p:cNvPr id="5" name="바닥글 개체 틀 4">
             <a:extLst>
               <a:ext uri="{FF2B5EF4-FFF2-40B4-BE49-F238E27FC236}">
-                <a16:creationId xmlns:a16="http://schemas.microsoft.com/office/drawing/2014/main" id="{9D007A88-52D3-3EFF-6853-3025E40E380D}"/>
+                <a16:creationId xmlns:a16="http://schemas.microsoft.com/office/drawing/2014/main" xmlns="" id="{9D007A88-52D3-3EFF-6853-3025E40E380D}"/>
               </a:ext>
             </a:extLst>
           </p:cNvPr>
@@ -704,7 +704,7 @@
           <p:cNvPr id="6" name="슬라이드 번호 개체 틀 5">
             <a:extLst>
               <a:ext uri="{FF2B5EF4-FFF2-40B4-BE49-F238E27FC236}">
-                <a16:creationId xmlns:a16="http://schemas.microsoft.com/office/drawing/2014/main" id="{4966BC29-0782-692B-304F-89DC72FBA0A7}"/>
+                <a16:creationId xmlns:a16="http://schemas.microsoft.com/office/drawing/2014/main" xmlns="" id="{4966BC29-0782-692B-304F-89DC72FBA0A7}"/>
               </a:ext>
             </a:extLst>
           </p:cNvPr>
@@ -763,7 +763,7 @@
           <p:cNvPr id="2" name="제목 1">
             <a:extLst>
               <a:ext uri="{FF2B5EF4-FFF2-40B4-BE49-F238E27FC236}">
-                <a16:creationId xmlns:a16="http://schemas.microsoft.com/office/drawing/2014/main" id="{9E19D579-00AE-5EB2-F99B-B5118D1A8D76}"/>
+                <a16:creationId xmlns:a16="http://schemas.microsoft.com/office/drawing/2014/main" xmlns="" id="{9E19D579-00AE-5EB2-F99B-B5118D1A8D76}"/>
               </a:ext>
             </a:extLst>
           </p:cNvPr>
@@ -800,7 +800,7 @@
           <p:cNvPr id="3" name="그림 개체 틀 2">
             <a:extLst>
               <a:ext uri="{FF2B5EF4-FFF2-40B4-BE49-F238E27FC236}">
-                <a16:creationId xmlns:a16="http://schemas.microsoft.com/office/drawing/2014/main" id="{3655C236-4919-F27E-161B-2618B810EF13}"/>
+                <a16:creationId xmlns:a16="http://schemas.microsoft.com/office/drawing/2014/main" xmlns="" id="{3655C236-4919-F27E-161B-2618B810EF13}"/>
               </a:ext>
             </a:extLst>
           </p:cNvPr>
@@ -867,7 +867,7 @@
           <p:cNvPr id="4" name="텍스트 개체 틀 3">
             <a:extLst>
               <a:ext uri="{FF2B5EF4-FFF2-40B4-BE49-F238E27FC236}">
-                <a16:creationId xmlns:a16="http://schemas.microsoft.com/office/drawing/2014/main" id="{8450B109-2960-D7CB-5E6F-57AECDDDF311}"/>
+                <a16:creationId xmlns:a16="http://schemas.microsoft.com/office/drawing/2014/main" xmlns="" id="{8450B109-2960-D7CB-5E6F-57AECDDDF311}"/>
               </a:ext>
             </a:extLst>
           </p:cNvPr>
@@ -938,7 +938,7 @@
           <p:cNvPr id="5" name="날짜 개체 틀 4">
             <a:extLst>
               <a:ext uri="{FF2B5EF4-FFF2-40B4-BE49-F238E27FC236}">
-                <a16:creationId xmlns:a16="http://schemas.microsoft.com/office/drawing/2014/main" id="{A91F961B-86A3-5132-CCE4-45ED29E160D7}"/>
+                <a16:creationId xmlns:a16="http://schemas.microsoft.com/office/drawing/2014/main" xmlns="" id="{A91F961B-86A3-5132-CCE4-45ED29E160D7}"/>
               </a:ext>
             </a:extLst>
           </p:cNvPr>
@@ -956,7 +956,7 @@
           <a:p>
             <a:fld id="{754D33C1-3BFE-4B76-A0E4-291C1E2F63F5}" type="datetime1">
               <a:rPr lang="ko-KR" altLang="en-US" smtClean="0"/>
-              <a:t>2024-08-22</a:t>
+              <a:t>2024-08-23</a:t>
             </a:fld>
             <a:endParaRPr lang="ko-KR" altLang="en-US"/>
           </a:p>
@@ -967,7 +967,7 @@
           <p:cNvPr id="6" name="바닥글 개체 틀 5">
             <a:extLst>
               <a:ext uri="{FF2B5EF4-FFF2-40B4-BE49-F238E27FC236}">
-                <a16:creationId xmlns:a16="http://schemas.microsoft.com/office/drawing/2014/main" id="{AF1260B2-A146-9DBC-FB7C-6F60E73FF50D}"/>
+                <a16:creationId xmlns:a16="http://schemas.microsoft.com/office/drawing/2014/main" xmlns="" id="{AF1260B2-A146-9DBC-FB7C-6F60E73FF50D}"/>
               </a:ext>
             </a:extLst>
           </p:cNvPr>
@@ -1028,7 +1028,7 @@
           <p:cNvPr id="7" name="슬라이드 번호 개체 틀 6">
             <a:extLst>
               <a:ext uri="{FF2B5EF4-FFF2-40B4-BE49-F238E27FC236}">
-                <a16:creationId xmlns:a16="http://schemas.microsoft.com/office/drawing/2014/main" id="{8A64D54C-F997-D8B8-74D2-AB628B04D3E7}"/>
+                <a16:creationId xmlns:a16="http://schemas.microsoft.com/office/drawing/2014/main" xmlns="" id="{8A64D54C-F997-D8B8-74D2-AB628B04D3E7}"/>
               </a:ext>
             </a:extLst>
           </p:cNvPr>
@@ -1087,7 +1087,7 @@
           <p:cNvPr id="2" name="제목 1">
             <a:extLst>
               <a:ext uri="{FF2B5EF4-FFF2-40B4-BE49-F238E27FC236}">
-                <a16:creationId xmlns:a16="http://schemas.microsoft.com/office/drawing/2014/main" id="{5228DFA3-D2CC-FBAB-2AE8-7A314CADFFAD}"/>
+                <a16:creationId xmlns:a16="http://schemas.microsoft.com/office/drawing/2014/main" xmlns="" id="{5228DFA3-D2CC-FBAB-2AE8-7A314CADFFAD}"/>
               </a:ext>
             </a:extLst>
           </p:cNvPr>
@@ -1115,7 +1115,7 @@
           <p:cNvPr id="3" name="세로 텍스트 개체 틀 2">
             <a:extLst>
               <a:ext uri="{FF2B5EF4-FFF2-40B4-BE49-F238E27FC236}">
-                <a16:creationId xmlns:a16="http://schemas.microsoft.com/office/drawing/2014/main" id="{78D4F396-6EAC-6880-AA87-59D44962FA4A}"/>
+                <a16:creationId xmlns:a16="http://schemas.microsoft.com/office/drawing/2014/main" xmlns="" id="{78D4F396-6EAC-6880-AA87-59D44962FA4A}"/>
               </a:ext>
             </a:extLst>
           </p:cNvPr>
@@ -1172,7 +1172,7 @@
           <p:cNvPr id="4" name="날짜 개체 틀 3">
             <a:extLst>
               <a:ext uri="{FF2B5EF4-FFF2-40B4-BE49-F238E27FC236}">
-                <a16:creationId xmlns:a16="http://schemas.microsoft.com/office/drawing/2014/main" id="{91D042A8-CF81-6626-654A-EE5786EAC96D}"/>
+                <a16:creationId xmlns:a16="http://schemas.microsoft.com/office/drawing/2014/main" xmlns="" id="{91D042A8-CF81-6626-654A-EE5786EAC96D}"/>
               </a:ext>
             </a:extLst>
           </p:cNvPr>
@@ -1190,7 +1190,7 @@
           <a:p>
             <a:fld id="{B657DB53-50CA-46FE-9563-11B06F935227}" type="datetime1">
               <a:rPr lang="ko-KR" altLang="en-US" smtClean="0"/>
-              <a:t>2024-08-22</a:t>
+              <a:t>2024-08-23</a:t>
             </a:fld>
             <a:endParaRPr lang="ko-KR" altLang="en-US"/>
           </a:p>
@@ -1201,7 +1201,7 @@
           <p:cNvPr id="5" name="바닥글 개체 틀 4">
             <a:extLst>
               <a:ext uri="{FF2B5EF4-FFF2-40B4-BE49-F238E27FC236}">
-                <a16:creationId xmlns:a16="http://schemas.microsoft.com/office/drawing/2014/main" id="{583A36F7-0E5B-DBD2-EF15-F210CCA68E14}"/>
+                <a16:creationId xmlns:a16="http://schemas.microsoft.com/office/drawing/2014/main" xmlns="" id="{583A36F7-0E5B-DBD2-EF15-F210CCA68E14}"/>
               </a:ext>
             </a:extLst>
           </p:cNvPr>
@@ -1262,7 +1262,7 @@
           <p:cNvPr id="6" name="슬라이드 번호 개체 틀 5">
             <a:extLst>
               <a:ext uri="{FF2B5EF4-FFF2-40B4-BE49-F238E27FC236}">
-                <a16:creationId xmlns:a16="http://schemas.microsoft.com/office/drawing/2014/main" id="{ECFC8737-238B-D8A9-1420-12802A9D6B41}"/>
+                <a16:creationId xmlns:a16="http://schemas.microsoft.com/office/drawing/2014/main" xmlns="" id="{ECFC8737-238B-D8A9-1420-12802A9D6B41}"/>
               </a:ext>
             </a:extLst>
           </p:cNvPr>
@@ -1321,7 +1321,7 @@
           <p:cNvPr id="2" name="세로 제목 1">
             <a:extLst>
               <a:ext uri="{FF2B5EF4-FFF2-40B4-BE49-F238E27FC236}">
-                <a16:creationId xmlns:a16="http://schemas.microsoft.com/office/drawing/2014/main" id="{5684FF23-7ABB-49BB-D119-51FE28A2EBF9}"/>
+                <a16:creationId xmlns:a16="http://schemas.microsoft.com/office/drawing/2014/main" xmlns="" id="{5684FF23-7ABB-49BB-D119-51FE28A2EBF9}"/>
               </a:ext>
             </a:extLst>
           </p:cNvPr>
@@ -1354,7 +1354,7 @@
           <p:cNvPr id="3" name="세로 텍스트 개체 틀 2">
             <a:extLst>
               <a:ext uri="{FF2B5EF4-FFF2-40B4-BE49-F238E27FC236}">
-                <a16:creationId xmlns:a16="http://schemas.microsoft.com/office/drawing/2014/main" id="{57BDEF98-4A52-6662-C087-4190721C53FD}"/>
+                <a16:creationId xmlns:a16="http://schemas.microsoft.com/office/drawing/2014/main" xmlns="" id="{57BDEF98-4A52-6662-C087-4190721C53FD}"/>
               </a:ext>
             </a:extLst>
           </p:cNvPr>
@@ -1416,7 +1416,7 @@
           <p:cNvPr id="4" name="날짜 개체 틀 3">
             <a:extLst>
               <a:ext uri="{FF2B5EF4-FFF2-40B4-BE49-F238E27FC236}">
-                <a16:creationId xmlns:a16="http://schemas.microsoft.com/office/drawing/2014/main" id="{92659EE8-A640-0457-20DC-92E4B93F7406}"/>
+                <a16:creationId xmlns:a16="http://schemas.microsoft.com/office/drawing/2014/main" xmlns="" id="{92659EE8-A640-0457-20DC-92E4B93F7406}"/>
               </a:ext>
             </a:extLst>
           </p:cNvPr>
@@ -1434,7 +1434,7 @@
           <a:p>
             <a:fld id="{F21D7A14-0D90-4ED1-8840-7FD26CFCFCAD}" type="datetime1">
               <a:rPr lang="ko-KR" altLang="en-US" smtClean="0"/>
-              <a:t>2024-08-22</a:t>
+              <a:t>2024-08-23</a:t>
             </a:fld>
             <a:endParaRPr lang="ko-KR" altLang="en-US"/>
           </a:p>
@@ -1445,7 +1445,7 @@
           <p:cNvPr id="5" name="바닥글 개체 틀 4">
             <a:extLst>
               <a:ext uri="{FF2B5EF4-FFF2-40B4-BE49-F238E27FC236}">
-                <a16:creationId xmlns:a16="http://schemas.microsoft.com/office/drawing/2014/main" id="{97C4BB77-F193-DE60-5953-7CA99061C145}"/>
+                <a16:creationId xmlns:a16="http://schemas.microsoft.com/office/drawing/2014/main" xmlns="" id="{97C4BB77-F193-DE60-5953-7CA99061C145}"/>
               </a:ext>
             </a:extLst>
           </p:cNvPr>
@@ -1506,7 +1506,7 @@
           <p:cNvPr id="6" name="슬라이드 번호 개체 틀 5">
             <a:extLst>
               <a:ext uri="{FF2B5EF4-FFF2-40B4-BE49-F238E27FC236}">
-                <a16:creationId xmlns:a16="http://schemas.microsoft.com/office/drawing/2014/main" id="{1FCD83F9-8415-B2E6-F442-879A4C96BBF8}"/>
+                <a16:creationId xmlns:a16="http://schemas.microsoft.com/office/drawing/2014/main" xmlns="" id="{1FCD83F9-8415-B2E6-F442-879A4C96BBF8}"/>
               </a:ext>
             </a:extLst>
           </p:cNvPr>
@@ -1565,7 +1565,7 @@
           <p:cNvPr id="2" name="제목 1">
             <a:extLst>
               <a:ext uri="{FF2B5EF4-FFF2-40B4-BE49-F238E27FC236}">
-                <a16:creationId xmlns:a16="http://schemas.microsoft.com/office/drawing/2014/main" id="{53451A7B-D5FE-E441-1503-91AF076D64C9}"/>
+                <a16:creationId xmlns:a16="http://schemas.microsoft.com/office/drawing/2014/main" xmlns="" id="{53451A7B-D5FE-E441-1503-91AF076D64C9}"/>
               </a:ext>
             </a:extLst>
           </p:cNvPr>
@@ -1593,7 +1593,7 @@
           <p:cNvPr id="3" name="내용 개체 틀 2">
             <a:extLst>
               <a:ext uri="{FF2B5EF4-FFF2-40B4-BE49-F238E27FC236}">
-                <a16:creationId xmlns:a16="http://schemas.microsoft.com/office/drawing/2014/main" id="{BF000A57-4BB1-90D7-9A6F-399D5430C99E}"/>
+                <a16:creationId xmlns:a16="http://schemas.microsoft.com/office/drawing/2014/main" xmlns="" id="{BF000A57-4BB1-90D7-9A6F-399D5430C99E}"/>
               </a:ext>
             </a:extLst>
           </p:cNvPr>
@@ -1650,7 +1650,7 @@
           <p:cNvPr id="4" name="날짜 개체 틀 3">
             <a:extLst>
               <a:ext uri="{FF2B5EF4-FFF2-40B4-BE49-F238E27FC236}">
-                <a16:creationId xmlns:a16="http://schemas.microsoft.com/office/drawing/2014/main" id="{343EAFB6-44BA-E6B2-C394-EB915A575D12}"/>
+                <a16:creationId xmlns:a16="http://schemas.microsoft.com/office/drawing/2014/main" xmlns="" id="{343EAFB6-44BA-E6B2-C394-EB915A575D12}"/>
               </a:ext>
             </a:extLst>
           </p:cNvPr>
@@ -1668,7 +1668,7 @@
           <a:p>
             <a:fld id="{E3B2C162-EEA5-47E0-B3A0-52922476F346}" type="datetime1">
               <a:rPr lang="ko-KR" altLang="en-US" smtClean="0"/>
-              <a:t>2024-08-22</a:t>
+              <a:t>2024-08-23</a:t>
             </a:fld>
             <a:endParaRPr lang="ko-KR" altLang="en-US"/>
           </a:p>
@@ -1679,7 +1679,7 @@
           <p:cNvPr id="5" name="바닥글 개체 틀 4">
             <a:extLst>
               <a:ext uri="{FF2B5EF4-FFF2-40B4-BE49-F238E27FC236}">
-                <a16:creationId xmlns:a16="http://schemas.microsoft.com/office/drawing/2014/main" id="{4694A2A9-EF85-F2CE-0E94-15AC95BC5A5F}"/>
+                <a16:creationId xmlns:a16="http://schemas.microsoft.com/office/drawing/2014/main" xmlns="" id="{4694A2A9-EF85-F2CE-0E94-15AC95BC5A5F}"/>
               </a:ext>
             </a:extLst>
           </p:cNvPr>
@@ -1740,7 +1740,7 @@
           <p:cNvPr id="6" name="슬라이드 번호 개체 틀 5">
             <a:extLst>
               <a:ext uri="{FF2B5EF4-FFF2-40B4-BE49-F238E27FC236}">
-                <a16:creationId xmlns:a16="http://schemas.microsoft.com/office/drawing/2014/main" id="{27D47C0A-61DE-4EB3-4C1C-FDA466710D89}"/>
+                <a16:creationId xmlns:a16="http://schemas.microsoft.com/office/drawing/2014/main" xmlns="" id="{27D47C0A-61DE-4EB3-4C1C-FDA466710D89}"/>
               </a:ext>
             </a:extLst>
           </p:cNvPr>
@@ -1799,7 +1799,7 @@
           <p:cNvPr id="2" name="제목 1">
             <a:extLst>
               <a:ext uri="{FF2B5EF4-FFF2-40B4-BE49-F238E27FC236}">
-                <a16:creationId xmlns:a16="http://schemas.microsoft.com/office/drawing/2014/main" id="{C18154BB-20A3-CAF0-686B-B87A74325306}"/>
+                <a16:creationId xmlns:a16="http://schemas.microsoft.com/office/drawing/2014/main" xmlns="" id="{C18154BB-20A3-CAF0-686B-B87A74325306}"/>
               </a:ext>
             </a:extLst>
           </p:cNvPr>
@@ -1836,7 +1836,7 @@
           <p:cNvPr id="3" name="텍스트 개체 틀 2">
             <a:extLst>
               <a:ext uri="{FF2B5EF4-FFF2-40B4-BE49-F238E27FC236}">
-                <a16:creationId xmlns:a16="http://schemas.microsoft.com/office/drawing/2014/main" id="{56FB4176-3627-D703-6C6F-BF6938C7F4AE}"/>
+                <a16:creationId xmlns:a16="http://schemas.microsoft.com/office/drawing/2014/main" xmlns="" id="{56FB4176-3627-D703-6C6F-BF6938C7F4AE}"/>
               </a:ext>
             </a:extLst>
           </p:cNvPr>
@@ -1961,7 +1961,7 @@
           <p:cNvPr id="4" name="날짜 개체 틀 3">
             <a:extLst>
               <a:ext uri="{FF2B5EF4-FFF2-40B4-BE49-F238E27FC236}">
-                <a16:creationId xmlns:a16="http://schemas.microsoft.com/office/drawing/2014/main" id="{9668E5FC-7C90-5052-94EC-78ABBF81223E}"/>
+                <a16:creationId xmlns:a16="http://schemas.microsoft.com/office/drawing/2014/main" xmlns="" id="{9668E5FC-7C90-5052-94EC-78ABBF81223E}"/>
               </a:ext>
             </a:extLst>
           </p:cNvPr>
@@ -1979,7 +1979,7 @@
           <a:p>
             <a:fld id="{F4CADD10-4338-4730-A976-3924A27D6EDD}" type="datetime1">
               <a:rPr lang="ko-KR" altLang="en-US" smtClean="0"/>
-              <a:t>2024-08-22</a:t>
+              <a:t>2024-08-23</a:t>
             </a:fld>
             <a:endParaRPr lang="ko-KR" altLang="en-US"/>
           </a:p>
@@ -1990,7 +1990,7 @@
           <p:cNvPr id="5" name="바닥글 개체 틀 4">
             <a:extLst>
               <a:ext uri="{FF2B5EF4-FFF2-40B4-BE49-F238E27FC236}">
-                <a16:creationId xmlns:a16="http://schemas.microsoft.com/office/drawing/2014/main" id="{9F6C6064-42CE-B7E9-D268-47E8C8E8A0C8}"/>
+                <a16:creationId xmlns:a16="http://schemas.microsoft.com/office/drawing/2014/main" xmlns="" id="{9F6C6064-42CE-B7E9-D268-47E8C8E8A0C8}"/>
               </a:ext>
             </a:extLst>
           </p:cNvPr>
@@ -2051,7 +2051,7 @@
           <p:cNvPr id="6" name="슬라이드 번호 개체 틀 5">
             <a:extLst>
               <a:ext uri="{FF2B5EF4-FFF2-40B4-BE49-F238E27FC236}">
-                <a16:creationId xmlns:a16="http://schemas.microsoft.com/office/drawing/2014/main" id="{055A491B-103B-2BEB-4AFA-C1149FE1432E}"/>
+                <a16:creationId xmlns:a16="http://schemas.microsoft.com/office/drawing/2014/main" xmlns="" id="{055A491B-103B-2BEB-4AFA-C1149FE1432E}"/>
               </a:ext>
             </a:extLst>
           </p:cNvPr>
@@ -2110,7 +2110,7 @@
           <p:cNvPr id="2" name="제목 1">
             <a:extLst>
               <a:ext uri="{FF2B5EF4-FFF2-40B4-BE49-F238E27FC236}">
-                <a16:creationId xmlns:a16="http://schemas.microsoft.com/office/drawing/2014/main" id="{B2C1A283-EE82-2C1A-3DA4-5131DF8D86C8}"/>
+                <a16:creationId xmlns:a16="http://schemas.microsoft.com/office/drawing/2014/main" xmlns="" id="{B2C1A283-EE82-2C1A-3DA4-5131DF8D86C8}"/>
               </a:ext>
             </a:extLst>
           </p:cNvPr>
@@ -2138,7 +2138,7 @@
           <p:cNvPr id="3" name="내용 개체 틀 2">
             <a:extLst>
               <a:ext uri="{FF2B5EF4-FFF2-40B4-BE49-F238E27FC236}">
-                <a16:creationId xmlns:a16="http://schemas.microsoft.com/office/drawing/2014/main" id="{3C89504A-82A1-8D8D-DB0C-A3F6CE009BC5}"/>
+                <a16:creationId xmlns:a16="http://schemas.microsoft.com/office/drawing/2014/main" xmlns="" id="{3C89504A-82A1-8D8D-DB0C-A3F6CE009BC5}"/>
               </a:ext>
             </a:extLst>
           </p:cNvPr>
@@ -2200,7 +2200,7 @@
           <p:cNvPr id="4" name="내용 개체 틀 3">
             <a:extLst>
               <a:ext uri="{FF2B5EF4-FFF2-40B4-BE49-F238E27FC236}">
-                <a16:creationId xmlns:a16="http://schemas.microsoft.com/office/drawing/2014/main" id="{8BC1AA47-FE1A-F9B3-105E-E3DE94411CA5}"/>
+                <a16:creationId xmlns:a16="http://schemas.microsoft.com/office/drawing/2014/main" xmlns="" id="{8BC1AA47-FE1A-F9B3-105E-E3DE94411CA5}"/>
               </a:ext>
             </a:extLst>
           </p:cNvPr>
@@ -2262,7 +2262,7 @@
           <p:cNvPr id="5" name="날짜 개체 틀 4">
             <a:extLst>
               <a:ext uri="{FF2B5EF4-FFF2-40B4-BE49-F238E27FC236}">
-                <a16:creationId xmlns:a16="http://schemas.microsoft.com/office/drawing/2014/main" id="{A82B48DB-2625-D595-9982-4E277A909089}"/>
+                <a16:creationId xmlns:a16="http://schemas.microsoft.com/office/drawing/2014/main" xmlns="" id="{A82B48DB-2625-D595-9982-4E277A909089}"/>
               </a:ext>
             </a:extLst>
           </p:cNvPr>
@@ -2280,7 +2280,7 @@
           <a:p>
             <a:fld id="{F1B8A22A-8263-4E82-ADAB-F6C01A678CEC}" type="datetime1">
               <a:rPr lang="ko-KR" altLang="en-US" smtClean="0"/>
-              <a:t>2024-08-22</a:t>
+              <a:t>2024-08-23</a:t>
             </a:fld>
             <a:endParaRPr lang="ko-KR" altLang="en-US"/>
           </a:p>
@@ -2291,7 +2291,7 @@
           <p:cNvPr id="6" name="바닥글 개체 틀 5">
             <a:extLst>
               <a:ext uri="{FF2B5EF4-FFF2-40B4-BE49-F238E27FC236}">
-                <a16:creationId xmlns:a16="http://schemas.microsoft.com/office/drawing/2014/main" id="{BA60D0E9-6408-E72F-5A9E-02D559090413}"/>
+                <a16:creationId xmlns:a16="http://schemas.microsoft.com/office/drawing/2014/main" xmlns="" id="{BA60D0E9-6408-E72F-5A9E-02D559090413}"/>
               </a:ext>
             </a:extLst>
           </p:cNvPr>
@@ -2352,7 +2352,7 @@
           <p:cNvPr id="7" name="슬라이드 번호 개체 틀 6">
             <a:extLst>
               <a:ext uri="{FF2B5EF4-FFF2-40B4-BE49-F238E27FC236}">
-                <a16:creationId xmlns:a16="http://schemas.microsoft.com/office/drawing/2014/main" id="{3863F2CC-AC0B-8AD8-60B2-0C974AAA9AD0}"/>
+                <a16:creationId xmlns:a16="http://schemas.microsoft.com/office/drawing/2014/main" xmlns="" id="{3863F2CC-AC0B-8AD8-60B2-0C974AAA9AD0}"/>
               </a:ext>
             </a:extLst>
           </p:cNvPr>
@@ -2411,7 +2411,7 @@
           <p:cNvPr id="2" name="제목 1">
             <a:extLst>
               <a:ext uri="{FF2B5EF4-FFF2-40B4-BE49-F238E27FC236}">
-                <a16:creationId xmlns:a16="http://schemas.microsoft.com/office/drawing/2014/main" id="{84639A44-D23A-E98F-5492-82E39FEA5CD3}"/>
+                <a16:creationId xmlns:a16="http://schemas.microsoft.com/office/drawing/2014/main" xmlns="" id="{84639A44-D23A-E98F-5492-82E39FEA5CD3}"/>
               </a:ext>
             </a:extLst>
           </p:cNvPr>
@@ -2444,7 +2444,7 @@
           <p:cNvPr id="3" name="텍스트 개체 틀 2">
             <a:extLst>
               <a:ext uri="{FF2B5EF4-FFF2-40B4-BE49-F238E27FC236}">
-                <a16:creationId xmlns:a16="http://schemas.microsoft.com/office/drawing/2014/main" id="{00ED3B6F-DAB5-38C5-EAB5-332D1F797B8D}"/>
+                <a16:creationId xmlns:a16="http://schemas.microsoft.com/office/drawing/2014/main" xmlns="" id="{00ED3B6F-DAB5-38C5-EAB5-332D1F797B8D}"/>
               </a:ext>
             </a:extLst>
           </p:cNvPr>
@@ -2515,7 +2515,7 @@
           <p:cNvPr id="4" name="내용 개체 틀 3">
             <a:extLst>
               <a:ext uri="{FF2B5EF4-FFF2-40B4-BE49-F238E27FC236}">
-                <a16:creationId xmlns:a16="http://schemas.microsoft.com/office/drawing/2014/main" id="{66D0471C-09F6-6FBC-00AE-7D7683D53E7D}"/>
+                <a16:creationId xmlns:a16="http://schemas.microsoft.com/office/drawing/2014/main" xmlns="" id="{66D0471C-09F6-6FBC-00AE-7D7683D53E7D}"/>
               </a:ext>
             </a:extLst>
           </p:cNvPr>
@@ -2577,7 +2577,7 @@
           <p:cNvPr id="5" name="텍스트 개체 틀 4">
             <a:extLst>
               <a:ext uri="{FF2B5EF4-FFF2-40B4-BE49-F238E27FC236}">
-                <a16:creationId xmlns:a16="http://schemas.microsoft.com/office/drawing/2014/main" id="{8BC3F245-0C6E-5337-99FE-2DB8E13CAA4B}"/>
+                <a16:creationId xmlns:a16="http://schemas.microsoft.com/office/drawing/2014/main" xmlns="" id="{8BC3F245-0C6E-5337-99FE-2DB8E13CAA4B}"/>
               </a:ext>
             </a:extLst>
           </p:cNvPr>
@@ -2648,7 +2648,7 @@
           <p:cNvPr id="6" name="내용 개체 틀 5">
             <a:extLst>
               <a:ext uri="{FF2B5EF4-FFF2-40B4-BE49-F238E27FC236}">
-                <a16:creationId xmlns:a16="http://schemas.microsoft.com/office/drawing/2014/main" id="{006413AE-1364-179C-0373-36D252B3276E}"/>
+                <a16:creationId xmlns:a16="http://schemas.microsoft.com/office/drawing/2014/main" xmlns="" id="{006413AE-1364-179C-0373-36D252B3276E}"/>
               </a:ext>
             </a:extLst>
           </p:cNvPr>
@@ -2710,7 +2710,7 @@
           <p:cNvPr id="7" name="날짜 개체 틀 6">
             <a:extLst>
               <a:ext uri="{FF2B5EF4-FFF2-40B4-BE49-F238E27FC236}">
-                <a16:creationId xmlns:a16="http://schemas.microsoft.com/office/drawing/2014/main" id="{3B704AEA-C494-2E03-3B01-73CE7B7FAACD}"/>
+                <a16:creationId xmlns:a16="http://schemas.microsoft.com/office/drawing/2014/main" xmlns="" id="{3B704AEA-C494-2E03-3B01-73CE7B7FAACD}"/>
               </a:ext>
             </a:extLst>
           </p:cNvPr>
@@ -2728,7 +2728,7 @@
           <a:p>
             <a:fld id="{998B065B-18C3-4BAD-80C3-5F5B38121F28}" type="datetime1">
               <a:rPr lang="ko-KR" altLang="en-US" smtClean="0"/>
-              <a:t>2024-08-22</a:t>
+              <a:t>2024-08-23</a:t>
             </a:fld>
             <a:endParaRPr lang="ko-KR" altLang="en-US"/>
           </a:p>
@@ -2739,7 +2739,7 @@
           <p:cNvPr id="8" name="바닥글 개체 틀 7">
             <a:extLst>
               <a:ext uri="{FF2B5EF4-FFF2-40B4-BE49-F238E27FC236}">
-                <a16:creationId xmlns:a16="http://schemas.microsoft.com/office/drawing/2014/main" id="{5256CD5B-6725-83FA-35FC-6319E870760E}"/>
+                <a16:creationId xmlns:a16="http://schemas.microsoft.com/office/drawing/2014/main" xmlns="" id="{5256CD5B-6725-83FA-35FC-6319E870760E}"/>
               </a:ext>
             </a:extLst>
           </p:cNvPr>
@@ -2800,7 +2800,7 @@
           <p:cNvPr id="9" name="슬라이드 번호 개체 틀 8">
             <a:extLst>
               <a:ext uri="{FF2B5EF4-FFF2-40B4-BE49-F238E27FC236}">
-                <a16:creationId xmlns:a16="http://schemas.microsoft.com/office/drawing/2014/main" id="{77B4BA56-7D94-13F6-4971-F4E916F89C24}"/>
+                <a16:creationId xmlns:a16="http://schemas.microsoft.com/office/drawing/2014/main" xmlns="" id="{77B4BA56-7D94-13F6-4971-F4E916F89C24}"/>
               </a:ext>
             </a:extLst>
           </p:cNvPr>
@@ -2859,7 +2859,7 @@
           <p:cNvPr id="2" name="제목 1">
             <a:extLst>
               <a:ext uri="{FF2B5EF4-FFF2-40B4-BE49-F238E27FC236}">
-                <a16:creationId xmlns:a16="http://schemas.microsoft.com/office/drawing/2014/main" id="{0346BDB7-52D3-4377-FC5B-806634CA3917}"/>
+                <a16:creationId xmlns:a16="http://schemas.microsoft.com/office/drawing/2014/main" xmlns="" id="{0346BDB7-52D3-4377-FC5B-806634CA3917}"/>
               </a:ext>
             </a:extLst>
           </p:cNvPr>
@@ -2887,7 +2887,7 @@
           <p:cNvPr id="3" name="날짜 개체 틀 2">
             <a:extLst>
               <a:ext uri="{FF2B5EF4-FFF2-40B4-BE49-F238E27FC236}">
-                <a16:creationId xmlns:a16="http://schemas.microsoft.com/office/drawing/2014/main" id="{F858B586-6E44-28D3-3558-CEB38859FF2D}"/>
+                <a16:creationId xmlns:a16="http://schemas.microsoft.com/office/drawing/2014/main" xmlns="" id="{F858B586-6E44-28D3-3558-CEB38859FF2D}"/>
               </a:ext>
             </a:extLst>
           </p:cNvPr>
@@ -2905,7 +2905,7 @@
           <a:p>
             <a:fld id="{0C647ED5-D757-4AC2-98C5-9209683354DD}" type="datetime1">
               <a:rPr lang="ko-KR" altLang="en-US" smtClean="0"/>
-              <a:t>2024-08-22</a:t>
+              <a:t>2024-08-23</a:t>
             </a:fld>
             <a:endParaRPr lang="ko-KR" altLang="en-US"/>
           </a:p>
@@ -2916,7 +2916,7 @@
           <p:cNvPr id="4" name="바닥글 개체 틀 3">
             <a:extLst>
               <a:ext uri="{FF2B5EF4-FFF2-40B4-BE49-F238E27FC236}">
-                <a16:creationId xmlns:a16="http://schemas.microsoft.com/office/drawing/2014/main" id="{67A1FB35-9E80-F6A9-5490-14E8FAF50F4F}"/>
+                <a16:creationId xmlns:a16="http://schemas.microsoft.com/office/drawing/2014/main" xmlns="" id="{67A1FB35-9E80-F6A9-5490-14E8FAF50F4F}"/>
               </a:ext>
             </a:extLst>
           </p:cNvPr>
@@ -2977,7 +2977,7 @@
           <p:cNvPr id="5" name="슬라이드 번호 개체 틀 4">
             <a:extLst>
               <a:ext uri="{FF2B5EF4-FFF2-40B4-BE49-F238E27FC236}">
-                <a16:creationId xmlns:a16="http://schemas.microsoft.com/office/drawing/2014/main" id="{E5A01088-6933-5538-11A5-6BB49279F120}"/>
+                <a16:creationId xmlns:a16="http://schemas.microsoft.com/office/drawing/2014/main" xmlns="" id="{E5A01088-6933-5538-11A5-6BB49279F120}"/>
               </a:ext>
             </a:extLst>
           </p:cNvPr>
@@ -3036,7 +3036,7 @@
           <p:cNvPr id="5" name="TextBox 4">
             <a:extLst>
               <a:ext uri="{FF2B5EF4-FFF2-40B4-BE49-F238E27FC236}">
-                <a16:creationId xmlns:a16="http://schemas.microsoft.com/office/drawing/2014/main" id="{BDCB62EF-0AD7-B44F-3952-279BE7A9EAE0}"/>
+                <a16:creationId xmlns:a16="http://schemas.microsoft.com/office/drawing/2014/main" xmlns="" id="{BDCB62EF-0AD7-B44F-3952-279BE7A9EAE0}"/>
               </a:ext>
             </a:extLst>
           </p:cNvPr>
@@ -3143,7 +3143,7 @@
           <p:cNvPr id="2" name="날짜 개체 틀 1">
             <a:extLst>
               <a:ext uri="{FF2B5EF4-FFF2-40B4-BE49-F238E27FC236}">
-                <a16:creationId xmlns:a16="http://schemas.microsoft.com/office/drawing/2014/main" id="{5CDCF90F-B5DB-F5D8-C34B-7ADF03BBD8BE}"/>
+                <a16:creationId xmlns:a16="http://schemas.microsoft.com/office/drawing/2014/main" xmlns="" id="{5CDCF90F-B5DB-F5D8-C34B-7ADF03BBD8BE}"/>
               </a:ext>
             </a:extLst>
           </p:cNvPr>
@@ -3161,7 +3161,7 @@
           <a:p>
             <a:fld id="{DCB4201D-5ED5-4232-96B3-F78FFD5DB184}" type="datetime1">
               <a:rPr lang="ko-KR" altLang="en-US" smtClean="0"/>
-              <a:t>2024-08-22</a:t>
+              <a:t>2024-08-23</a:t>
             </a:fld>
             <a:endParaRPr lang="ko-KR" altLang="en-US"/>
           </a:p>
@@ -3172,7 +3172,7 @@
           <p:cNvPr id="3" name="바닥글 개체 틀 2">
             <a:extLst>
               <a:ext uri="{FF2B5EF4-FFF2-40B4-BE49-F238E27FC236}">
-                <a16:creationId xmlns:a16="http://schemas.microsoft.com/office/drawing/2014/main" id="{6C532198-7F79-2181-708B-60F49CF073C4}"/>
+                <a16:creationId xmlns:a16="http://schemas.microsoft.com/office/drawing/2014/main" xmlns="" id="{6C532198-7F79-2181-708B-60F49CF073C4}"/>
               </a:ext>
             </a:extLst>
           </p:cNvPr>
@@ -3233,7 +3233,7 @@
           <p:cNvPr id="4" name="슬라이드 번호 개체 틀 3">
             <a:extLst>
               <a:ext uri="{FF2B5EF4-FFF2-40B4-BE49-F238E27FC236}">
-                <a16:creationId xmlns:a16="http://schemas.microsoft.com/office/drawing/2014/main" id="{8837BC27-D98D-F3D8-A991-F365CD5A44EA}"/>
+                <a16:creationId xmlns:a16="http://schemas.microsoft.com/office/drawing/2014/main" xmlns="" id="{8837BC27-D98D-F3D8-A991-F365CD5A44EA}"/>
               </a:ext>
             </a:extLst>
           </p:cNvPr>
@@ -3269,7 +3269,7 @@
   </p:clrMapOvr>
   <p:extLst mod="1">
     <p:ext uri="{DCECCB84-F9BA-43D5-87BE-67443E8EF086}">
-      <p15:sldGuideLst xmlns:p15="http://schemas.microsoft.com/office/powerpoint/2012/main">
+      <p15:sldGuideLst xmlns:p15="http://schemas.microsoft.com/office/powerpoint/2012/main" xmlns="">
         <p15:guide id="1" orient="horz" pos="2160" userDrawn="1">
           <p15:clr>
             <a:srgbClr val="FBAE40"/>
@@ -3308,7 +3308,7 @@
           <p:cNvPr id="5" name="TextBox 4">
             <a:extLst>
               <a:ext uri="{FF2B5EF4-FFF2-40B4-BE49-F238E27FC236}">
-                <a16:creationId xmlns:a16="http://schemas.microsoft.com/office/drawing/2014/main" id="{BDCB62EF-0AD7-B44F-3952-279BE7A9EAE0}"/>
+                <a16:creationId xmlns:a16="http://schemas.microsoft.com/office/drawing/2014/main" xmlns="" id="{BDCB62EF-0AD7-B44F-3952-279BE7A9EAE0}"/>
               </a:ext>
             </a:extLst>
           </p:cNvPr>
@@ -3397,7 +3397,7 @@
           <p:cNvPr id="2" name="날짜 개체 틀 1">
             <a:extLst>
               <a:ext uri="{FF2B5EF4-FFF2-40B4-BE49-F238E27FC236}">
-                <a16:creationId xmlns:a16="http://schemas.microsoft.com/office/drawing/2014/main" id="{5CDCF90F-B5DB-F5D8-C34B-7ADF03BBD8BE}"/>
+                <a16:creationId xmlns:a16="http://schemas.microsoft.com/office/drawing/2014/main" xmlns="" id="{5CDCF90F-B5DB-F5D8-C34B-7ADF03BBD8BE}"/>
               </a:ext>
             </a:extLst>
           </p:cNvPr>
@@ -3415,7 +3415,7 @@
           <a:p>
             <a:fld id="{C8BE10E5-978D-457E-BA7F-2641BA28257A}" type="datetime1">
               <a:rPr lang="ko-KR" altLang="en-US" smtClean="0"/>
-              <a:t>2024-08-22</a:t>
+              <a:t>2024-08-23</a:t>
             </a:fld>
             <a:endParaRPr lang="ko-KR" altLang="en-US"/>
           </a:p>
@@ -3426,7 +3426,7 @@
           <p:cNvPr id="3" name="바닥글 개체 틀 2">
             <a:extLst>
               <a:ext uri="{FF2B5EF4-FFF2-40B4-BE49-F238E27FC236}">
-                <a16:creationId xmlns:a16="http://schemas.microsoft.com/office/drawing/2014/main" id="{6C532198-7F79-2181-708B-60F49CF073C4}"/>
+                <a16:creationId xmlns:a16="http://schemas.microsoft.com/office/drawing/2014/main" xmlns="" id="{6C532198-7F79-2181-708B-60F49CF073C4}"/>
               </a:ext>
             </a:extLst>
           </p:cNvPr>
@@ -3487,7 +3487,7 @@
           <p:cNvPr id="4" name="슬라이드 번호 개체 틀 3">
             <a:extLst>
               <a:ext uri="{FF2B5EF4-FFF2-40B4-BE49-F238E27FC236}">
-                <a16:creationId xmlns:a16="http://schemas.microsoft.com/office/drawing/2014/main" id="{8837BC27-D98D-F3D8-A991-F365CD5A44EA}"/>
+                <a16:creationId xmlns:a16="http://schemas.microsoft.com/office/drawing/2014/main" xmlns="" id="{8837BC27-D98D-F3D8-A991-F365CD5A44EA}"/>
               </a:ext>
             </a:extLst>
           </p:cNvPr>
@@ -3523,7 +3523,7 @@
   </p:clrMapOvr>
   <p:extLst mod="1">
     <p:ext uri="{DCECCB84-F9BA-43D5-87BE-67443E8EF086}">
-      <p15:sldGuideLst xmlns:p15="http://schemas.microsoft.com/office/powerpoint/2012/main">
+      <p15:sldGuideLst xmlns:p15="http://schemas.microsoft.com/office/powerpoint/2012/main" xmlns="">
         <p15:guide id="1" orient="horz" pos="2160" userDrawn="1">
           <p15:clr>
             <a:srgbClr val="FBAE40"/>
@@ -3562,7 +3562,7 @@
           <p:cNvPr id="2" name="제목 1">
             <a:extLst>
               <a:ext uri="{FF2B5EF4-FFF2-40B4-BE49-F238E27FC236}">
-                <a16:creationId xmlns:a16="http://schemas.microsoft.com/office/drawing/2014/main" id="{868C51DE-5A41-F314-C453-F725B45A9E06}"/>
+                <a16:creationId xmlns:a16="http://schemas.microsoft.com/office/drawing/2014/main" xmlns="" id="{868C51DE-5A41-F314-C453-F725B45A9E06}"/>
               </a:ext>
             </a:extLst>
           </p:cNvPr>
@@ -3599,7 +3599,7 @@
           <p:cNvPr id="3" name="내용 개체 틀 2">
             <a:extLst>
               <a:ext uri="{FF2B5EF4-FFF2-40B4-BE49-F238E27FC236}">
-                <a16:creationId xmlns:a16="http://schemas.microsoft.com/office/drawing/2014/main" id="{2E9DD596-2CCB-3461-E3EE-D89B9E917592}"/>
+                <a16:creationId xmlns:a16="http://schemas.microsoft.com/office/drawing/2014/main" xmlns="" id="{2E9DD596-2CCB-3461-E3EE-D89B9E917592}"/>
               </a:ext>
             </a:extLst>
           </p:cNvPr>
@@ -3689,7 +3689,7 @@
           <p:cNvPr id="4" name="텍스트 개체 틀 3">
             <a:extLst>
               <a:ext uri="{FF2B5EF4-FFF2-40B4-BE49-F238E27FC236}">
-                <a16:creationId xmlns:a16="http://schemas.microsoft.com/office/drawing/2014/main" id="{3F9492C6-90F1-1929-CD62-B6132DDA3E31}"/>
+                <a16:creationId xmlns:a16="http://schemas.microsoft.com/office/drawing/2014/main" xmlns="" id="{3F9492C6-90F1-1929-CD62-B6132DDA3E31}"/>
               </a:ext>
             </a:extLst>
           </p:cNvPr>
@@ -3760,7 +3760,7 @@
           <p:cNvPr id="5" name="날짜 개체 틀 4">
             <a:extLst>
               <a:ext uri="{FF2B5EF4-FFF2-40B4-BE49-F238E27FC236}">
-                <a16:creationId xmlns:a16="http://schemas.microsoft.com/office/drawing/2014/main" id="{24041367-1003-D118-3265-9249393BC7E7}"/>
+                <a16:creationId xmlns:a16="http://schemas.microsoft.com/office/drawing/2014/main" xmlns="" id="{24041367-1003-D118-3265-9249393BC7E7}"/>
               </a:ext>
             </a:extLst>
           </p:cNvPr>
@@ -3778,7 +3778,7 @@
           <a:p>
             <a:fld id="{A9766A6C-5E63-4399-A25D-1E1FEAD661F9}" type="datetime1">
               <a:rPr lang="ko-KR" altLang="en-US" smtClean="0"/>
-              <a:t>2024-08-22</a:t>
+              <a:t>2024-08-23</a:t>
             </a:fld>
             <a:endParaRPr lang="ko-KR" altLang="en-US"/>
           </a:p>
@@ -3789,7 +3789,7 @@
           <p:cNvPr id="6" name="바닥글 개체 틀 5">
             <a:extLst>
               <a:ext uri="{FF2B5EF4-FFF2-40B4-BE49-F238E27FC236}">
-                <a16:creationId xmlns:a16="http://schemas.microsoft.com/office/drawing/2014/main" id="{11068455-54A1-1FAB-47F3-AEEB1757405A}"/>
+                <a16:creationId xmlns:a16="http://schemas.microsoft.com/office/drawing/2014/main" xmlns="" id="{11068455-54A1-1FAB-47F3-AEEB1757405A}"/>
               </a:ext>
             </a:extLst>
           </p:cNvPr>
@@ -3850,7 +3850,7 @@
           <p:cNvPr id="7" name="슬라이드 번호 개체 틀 6">
             <a:extLst>
               <a:ext uri="{FF2B5EF4-FFF2-40B4-BE49-F238E27FC236}">
-                <a16:creationId xmlns:a16="http://schemas.microsoft.com/office/drawing/2014/main" id="{002310E8-74A8-D020-ECCC-362B0743776C}"/>
+                <a16:creationId xmlns:a16="http://schemas.microsoft.com/office/drawing/2014/main" xmlns="" id="{002310E8-74A8-D020-ECCC-362B0743776C}"/>
               </a:ext>
             </a:extLst>
           </p:cNvPr>
@@ -3914,7 +3914,7 @@
           <p:cNvPr id="2" name="제목 개체 틀 1">
             <a:extLst>
               <a:ext uri="{FF2B5EF4-FFF2-40B4-BE49-F238E27FC236}">
-                <a16:creationId xmlns:a16="http://schemas.microsoft.com/office/drawing/2014/main" id="{F71D6A35-C29A-91D9-7077-51A94C9D5CB2}"/>
+                <a16:creationId xmlns:a16="http://schemas.microsoft.com/office/drawing/2014/main" xmlns="" id="{F71D6A35-C29A-91D9-7077-51A94C9D5CB2}"/>
               </a:ext>
             </a:extLst>
           </p:cNvPr>
@@ -3952,7 +3952,7 @@
           <p:cNvPr id="3" name="텍스트 개체 틀 2">
             <a:extLst>
               <a:ext uri="{FF2B5EF4-FFF2-40B4-BE49-F238E27FC236}">
-                <a16:creationId xmlns:a16="http://schemas.microsoft.com/office/drawing/2014/main" id="{E3898BF4-8F32-286F-7AF2-A0029B68C742}"/>
+                <a16:creationId xmlns:a16="http://schemas.microsoft.com/office/drawing/2014/main" xmlns="" id="{E3898BF4-8F32-286F-7AF2-A0029B68C742}"/>
               </a:ext>
             </a:extLst>
           </p:cNvPr>
@@ -4019,7 +4019,7 @@
           <p:cNvPr id="4" name="날짜 개체 틀 3">
             <a:extLst>
               <a:ext uri="{FF2B5EF4-FFF2-40B4-BE49-F238E27FC236}">
-                <a16:creationId xmlns:a16="http://schemas.microsoft.com/office/drawing/2014/main" id="{192434C5-2B47-D752-A204-67601BFAC47F}"/>
+                <a16:creationId xmlns:a16="http://schemas.microsoft.com/office/drawing/2014/main" xmlns="" id="{192434C5-2B47-D752-A204-67601BFAC47F}"/>
               </a:ext>
             </a:extLst>
           </p:cNvPr>
@@ -4055,7 +4055,7 @@
           <a:p>
             <a:fld id="{DD8350EF-3AF0-432B-B5AD-212995952C7A}" type="datetime1">
               <a:rPr lang="ko-KR" altLang="en-US" smtClean="0"/>
-              <a:t>2024-08-22</a:t>
+              <a:t>2024-08-23</a:t>
             </a:fld>
             <a:endParaRPr lang="ko-KR" altLang="en-US"/>
           </a:p>
@@ -4066,7 +4066,7 @@
           <p:cNvPr id="5" name="바닥글 개체 틀 4">
             <a:extLst>
               <a:ext uri="{FF2B5EF4-FFF2-40B4-BE49-F238E27FC236}">
-                <a16:creationId xmlns:a16="http://schemas.microsoft.com/office/drawing/2014/main" id="{29722951-7931-3231-4230-D2618278F20F}"/>
+                <a16:creationId xmlns:a16="http://schemas.microsoft.com/office/drawing/2014/main" xmlns="" id="{29722951-7931-3231-4230-D2618278F20F}"/>
               </a:ext>
             </a:extLst>
           </p:cNvPr>
@@ -4145,7 +4145,7 @@
           <p:cNvPr id="6" name="슬라이드 번호 개체 틀 5">
             <a:extLst>
               <a:ext uri="{FF2B5EF4-FFF2-40B4-BE49-F238E27FC236}">
-                <a16:creationId xmlns:a16="http://schemas.microsoft.com/office/drawing/2014/main" id="{934E29E1-F9E7-D4A1-6075-B039DA756608}"/>
+                <a16:creationId xmlns:a16="http://schemas.microsoft.com/office/drawing/2014/main" xmlns="" id="{934E29E1-F9E7-D4A1-6075-B039DA756608}"/>
               </a:ext>
             </a:extLst>
           </p:cNvPr>
@@ -4492,7 +4492,7 @@
   </p:txStyles>
   <p:extLst mod="1">
     <p:ext uri="{27BBF7A9-308A-43DC-89C8-2F10F3537804}">
-      <p15:sldGuideLst xmlns:p15="http://schemas.microsoft.com/office/powerpoint/2012/main">
+      <p15:sldGuideLst xmlns:p15="http://schemas.microsoft.com/office/powerpoint/2012/main" xmlns="">
         <p15:guide id="1" orient="horz" pos="2160" userDrawn="1">
           <p15:clr>
             <a:srgbClr val="F26B43"/>
@@ -4531,7 +4531,7 @@
           <p:cNvPr id="5" name="그림 4" descr="일렉트릭 블루, 스크린샷, 마조렐 블루, 사각형이(가) 표시된 사진&#10;&#10;자동 생성된 설명">
             <a:extLst>
               <a:ext uri="{FF2B5EF4-FFF2-40B4-BE49-F238E27FC236}">
-                <a16:creationId xmlns:a16="http://schemas.microsoft.com/office/drawing/2014/main" id="{7BE6E4B8-7A1C-0C8B-910B-3ADD70DA3EF7}"/>
+                <a16:creationId xmlns:a16="http://schemas.microsoft.com/office/drawing/2014/main" xmlns="" id="{7BE6E4B8-7A1C-0C8B-910B-3ADD70DA3EF7}"/>
               </a:ext>
             </a:extLst>
           </p:cNvPr>
@@ -4568,7 +4568,7 @@
           <p:cNvPr id="4" name="직선 연결선 3">
             <a:extLst>
               <a:ext uri="{FF2B5EF4-FFF2-40B4-BE49-F238E27FC236}">
-                <a16:creationId xmlns:a16="http://schemas.microsoft.com/office/drawing/2014/main" id="{93B854AB-52FC-5D22-6537-2E3C7DBEACCA}"/>
+                <a16:creationId xmlns:a16="http://schemas.microsoft.com/office/drawing/2014/main" xmlns="" id="{93B854AB-52FC-5D22-6537-2E3C7DBEACCA}"/>
               </a:ext>
             </a:extLst>
           </p:cNvPr>
@@ -4609,7 +4609,7 @@
           <p:cNvPr id="2" name="TextBox 1">
             <a:extLst>
               <a:ext uri="{FF2B5EF4-FFF2-40B4-BE49-F238E27FC236}">
-                <a16:creationId xmlns:a16="http://schemas.microsoft.com/office/drawing/2014/main" id="{3EAA2631-352C-65FE-0219-3B4174D002DE}"/>
+                <a16:creationId xmlns:a16="http://schemas.microsoft.com/office/drawing/2014/main" xmlns="" id="{3EAA2631-352C-65FE-0219-3B4174D002DE}"/>
               </a:ext>
             </a:extLst>
           </p:cNvPr>
@@ -4618,8 +4618,8 @@
         </p:nvSpPr>
         <p:spPr>
           <a:xfrm>
-            <a:off x="3385162" y="2382560"/>
-            <a:ext cx="5421677" cy="1569660"/>
+            <a:off x="3037311" y="2382560"/>
+            <a:ext cx="6117380" cy="1569660"/>
           </a:xfrm>
           <a:prstGeom prst="rect">
             <a:avLst/>
@@ -4639,7 +4639,23 @@
                   <a:schemeClr val="bg1"/>
                 </a:solidFill>
               </a:rPr>
-              <a:t>타자 게임</a:t>
+              <a:t>타자 </a:t>
+            </a:r>
+            <a:r>
+              <a:rPr lang="ko-KR" altLang="en-US" sz="9600" b="1" dirty="0" smtClean="0">
+                <a:solidFill>
+                  <a:schemeClr val="bg1"/>
+                </a:solidFill>
+              </a:rPr>
+              <a:t>게임</a:t>
+            </a:r>
+            <a:r>
+              <a:rPr lang="en-US" altLang="ko-KR" sz="9600" b="1" smtClean="0">
+                <a:solidFill>
+                  <a:schemeClr val="bg1"/>
+                </a:solidFill>
+              </a:rPr>
+              <a:t>1</a:t>
             </a:r>
             <a:endParaRPr lang="ko-KR" altLang="en-US" sz="9600" b="1" dirty="0">
               <a:solidFill>
@@ -4654,7 +4670,7 @@
           <p:cNvPr id="8" name="TextBox 7">
             <a:extLst>
               <a:ext uri="{FF2B5EF4-FFF2-40B4-BE49-F238E27FC236}">
-                <a16:creationId xmlns:a16="http://schemas.microsoft.com/office/drawing/2014/main" id="{A17D2C56-A996-079F-DC07-1D70670DCFA5}"/>
+                <a16:creationId xmlns:a16="http://schemas.microsoft.com/office/drawing/2014/main" xmlns="" id="{A17D2C56-A996-079F-DC07-1D70670DCFA5}"/>
               </a:ext>
             </a:extLst>
           </p:cNvPr>
@@ -4858,7 +4874,7 @@
           <p:cNvPr id="4" name="직선 연결선 3">
             <a:extLst>
               <a:ext uri="{FF2B5EF4-FFF2-40B4-BE49-F238E27FC236}">
-                <a16:creationId xmlns:a16="http://schemas.microsoft.com/office/drawing/2014/main" id="{DB9D2B11-1A0A-71AC-476F-0FE7FAC4C718}"/>
+                <a16:creationId xmlns:a16="http://schemas.microsoft.com/office/drawing/2014/main" xmlns="" id="{DB9D2B11-1A0A-71AC-476F-0FE7FAC4C718}"/>
               </a:ext>
             </a:extLst>
           </p:cNvPr>
@@ -5446,7 +5462,7 @@
           <p:cNvPr id="4" name="직선 연결선 3">
             <a:extLst>
               <a:ext uri="{FF2B5EF4-FFF2-40B4-BE49-F238E27FC236}">
-                <a16:creationId xmlns:a16="http://schemas.microsoft.com/office/drawing/2014/main" id="{DB9D2B11-1A0A-71AC-476F-0FE7FAC4C718}"/>
+                <a16:creationId xmlns:a16="http://schemas.microsoft.com/office/drawing/2014/main" xmlns="" id="{DB9D2B11-1A0A-71AC-476F-0FE7FAC4C718}"/>
               </a:ext>
             </a:extLst>
           </p:cNvPr>
@@ -5514,7 +5530,7 @@
           <p:cNvPr id="19" name="직선 연결선 18">
             <a:extLst>
               <a:ext uri="{FF2B5EF4-FFF2-40B4-BE49-F238E27FC236}">
-                <a16:creationId xmlns:a16="http://schemas.microsoft.com/office/drawing/2014/main" id="{DB9D2B11-1A0A-71AC-476F-0FE7FAC4C718}"/>
+                <a16:creationId xmlns:a16="http://schemas.microsoft.com/office/drawing/2014/main" xmlns="" id="{DB9D2B11-1A0A-71AC-476F-0FE7FAC4C718}"/>
               </a:ext>
             </a:extLst>
           </p:cNvPr>
@@ -5558,7 +5574,7 @@
           <p:cNvPr id="20" name="TextBox 19">
             <a:extLst>
               <a:ext uri="{FF2B5EF4-FFF2-40B4-BE49-F238E27FC236}">
-                <a16:creationId xmlns:a16="http://schemas.microsoft.com/office/drawing/2014/main" id="{3E95F627-55D1-E011-B02F-83023BB3539B}"/>
+                <a16:creationId xmlns:a16="http://schemas.microsoft.com/office/drawing/2014/main" xmlns="" id="{3E95F627-55D1-E011-B02F-83023BB3539B}"/>
               </a:ext>
             </a:extLst>
           </p:cNvPr>
@@ -5610,7 +5626,7 @@
           <p:cNvPr id="21" name="TextBox 20">
             <a:extLst>
               <a:ext uri="{FF2B5EF4-FFF2-40B4-BE49-F238E27FC236}">
-                <a16:creationId xmlns:a16="http://schemas.microsoft.com/office/drawing/2014/main" id="{19048B0A-3890-ED38-C9F4-F6EF9B447F3D}"/>
+                <a16:creationId xmlns:a16="http://schemas.microsoft.com/office/drawing/2014/main" xmlns="" id="{19048B0A-3890-ED38-C9F4-F6EF9B447F3D}"/>
               </a:ext>
             </a:extLst>
           </p:cNvPr>
@@ -5646,7 +5662,7 @@
           <p:cNvPr id="22" name="TextBox 21">
             <a:extLst>
               <a:ext uri="{FF2B5EF4-FFF2-40B4-BE49-F238E27FC236}">
-                <a16:creationId xmlns:a16="http://schemas.microsoft.com/office/drawing/2014/main" id="{80CF543F-9FD1-1267-8C8C-BDBA915270E5}"/>
+                <a16:creationId xmlns:a16="http://schemas.microsoft.com/office/drawing/2014/main" xmlns="" id="{80CF543F-9FD1-1267-8C8C-BDBA915270E5}"/>
               </a:ext>
             </a:extLst>
           </p:cNvPr>
@@ -5696,7 +5712,7 @@
           <p:cNvPr id="23" name="TextBox 22">
             <a:extLst>
               <a:ext uri="{FF2B5EF4-FFF2-40B4-BE49-F238E27FC236}">
-                <a16:creationId xmlns:a16="http://schemas.microsoft.com/office/drawing/2014/main" id="{2873FF2D-9766-BDB2-C8F6-75A8D7FDBCAA}"/>
+                <a16:creationId xmlns:a16="http://schemas.microsoft.com/office/drawing/2014/main" xmlns="" id="{2873FF2D-9766-BDB2-C8F6-75A8D7FDBCAA}"/>
               </a:ext>
             </a:extLst>
           </p:cNvPr>
@@ -5757,7 +5773,7 @@
           <p:cNvPr id="24" name="TextBox 23">
             <a:extLst>
               <a:ext uri="{FF2B5EF4-FFF2-40B4-BE49-F238E27FC236}">
-                <a16:creationId xmlns:a16="http://schemas.microsoft.com/office/drawing/2014/main" id="{B4E43283-2121-4A86-1A61-65FB81456B97}"/>
+                <a16:creationId xmlns:a16="http://schemas.microsoft.com/office/drawing/2014/main" xmlns="" id="{B4E43283-2121-4A86-1A61-65FB81456B97}"/>
               </a:ext>
             </a:extLst>
           </p:cNvPr>
@@ -5807,7 +5823,7 @@
           <p:cNvPr id="25" name="TextBox 24">
             <a:extLst>
               <a:ext uri="{FF2B5EF4-FFF2-40B4-BE49-F238E27FC236}">
-                <a16:creationId xmlns:a16="http://schemas.microsoft.com/office/drawing/2014/main" id="{6CB0A293-337D-3A25-5995-1EEFDE05CBA6}"/>
+                <a16:creationId xmlns:a16="http://schemas.microsoft.com/office/drawing/2014/main" xmlns="" id="{6CB0A293-337D-3A25-5995-1EEFDE05CBA6}"/>
               </a:ext>
             </a:extLst>
           </p:cNvPr>
@@ -5857,7 +5873,7 @@
           <p:cNvPr id="26" name="TextBox 25">
             <a:extLst>
               <a:ext uri="{FF2B5EF4-FFF2-40B4-BE49-F238E27FC236}">
-                <a16:creationId xmlns:a16="http://schemas.microsoft.com/office/drawing/2014/main" id="{1BFCD578-DE6D-7383-325C-08BF2EC0BF2B}"/>
+                <a16:creationId xmlns:a16="http://schemas.microsoft.com/office/drawing/2014/main" xmlns="" id="{1BFCD578-DE6D-7383-325C-08BF2EC0BF2B}"/>
               </a:ext>
             </a:extLst>
           </p:cNvPr>
@@ -5907,7 +5923,7 @@
           <p:cNvPr id="27" name="TextBox 26">
             <a:extLst>
               <a:ext uri="{FF2B5EF4-FFF2-40B4-BE49-F238E27FC236}">
-                <a16:creationId xmlns:a16="http://schemas.microsoft.com/office/drawing/2014/main" id="{5FD1E673-907A-A2DE-A558-ED65B0F00F35}"/>
+                <a16:creationId xmlns:a16="http://schemas.microsoft.com/office/drawing/2014/main" xmlns="" id="{5FD1E673-907A-A2DE-A558-ED65B0F00F35}"/>
               </a:ext>
             </a:extLst>
           </p:cNvPr>
@@ -5957,7 +5973,7 @@
           <p:cNvPr id="28" name="TextBox 27">
             <a:extLst>
               <a:ext uri="{FF2B5EF4-FFF2-40B4-BE49-F238E27FC236}">
-                <a16:creationId xmlns:a16="http://schemas.microsoft.com/office/drawing/2014/main" id="{E6A18E74-CD70-3687-6618-24F77FD9A450}"/>
+                <a16:creationId xmlns:a16="http://schemas.microsoft.com/office/drawing/2014/main" xmlns="" id="{E6A18E74-CD70-3687-6618-24F77FD9A450}"/>
               </a:ext>
             </a:extLst>
           </p:cNvPr>
@@ -6007,7 +6023,7 @@
           <p:cNvPr id="29" name="TextBox 28">
             <a:extLst>
               <a:ext uri="{FF2B5EF4-FFF2-40B4-BE49-F238E27FC236}">
-                <a16:creationId xmlns:a16="http://schemas.microsoft.com/office/drawing/2014/main" id="{479EF877-55E1-193D-A558-E0C805A954CE}"/>
+                <a16:creationId xmlns:a16="http://schemas.microsoft.com/office/drawing/2014/main" xmlns="" id="{479EF877-55E1-193D-A558-E0C805A954CE}"/>
               </a:ext>
             </a:extLst>
           </p:cNvPr>
@@ -6184,7 +6200,7 @@
           <p:cNvPr id="4" name="직선 연결선 3">
             <a:extLst>
               <a:ext uri="{FF2B5EF4-FFF2-40B4-BE49-F238E27FC236}">
-                <a16:creationId xmlns:a16="http://schemas.microsoft.com/office/drawing/2014/main" id="{DB9D2B11-1A0A-71AC-476F-0FE7FAC4C718}"/>
+                <a16:creationId xmlns:a16="http://schemas.microsoft.com/office/drawing/2014/main" xmlns="" id="{DB9D2B11-1A0A-71AC-476F-0FE7FAC4C718}"/>
               </a:ext>
             </a:extLst>
           </p:cNvPr>
@@ -6327,7 +6343,7 @@
           <p:cNvPr id="7" name="TextBox 6">
             <a:extLst>
               <a:ext uri="{FF2B5EF4-FFF2-40B4-BE49-F238E27FC236}">
-                <a16:creationId xmlns:a16="http://schemas.microsoft.com/office/drawing/2014/main" id="{3E95F627-55D1-E011-B02F-83023BB3539B}"/>
+                <a16:creationId xmlns:a16="http://schemas.microsoft.com/office/drawing/2014/main" xmlns="" id="{3E95F627-55D1-E011-B02F-83023BB3539B}"/>
               </a:ext>
             </a:extLst>
           </p:cNvPr>
@@ -6379,7 +6395,7 @@
           <p:cNvPr id="8" name="직선 연결선 7">
             <a:extLst>
               <a:ext uri="{FF2B5EF4-FFF2-40B4-BE49-F238E27FC236}">
-                <a16:creationId xmlns:a16="http://schemas.microsoft.com/office/drawing/2014/main" id="{DB9D2B11-1A0A-71AC-476F-0FE7FAC4C718}"/>
+                <a16:creationId xmlns:a16="http://schemas.microsoft.com/office/drawing/2014/main" xmlns="" id="{DB9D2B11-1A0A-71AC-476F-0FE7FAC4C718}"/>
               </a:ext>
             </a:extLst>
           </p:cNvPr>
@@ -6593,7 +6609,7 @@
           <p:cNvPr id="11" name="TextBox 10">
             <a:extLst>
               <a:ext uri="{FF2B5EF4-FFF2-40B4-BE49-F238E27FC236}">
-                <a16:creationId xmlns:a16="http://schemas.microsoft.com/office/drawing/2014/main" id="{3E95F627-55D1-E011-B02F-83023BB3539B}"/>
+                <a16:creationId xmlns:a16="http://schemas.microsoft.com/office/drawing/2014/main" xmlns="" id="{3E95F627-55D1-E011-B02F-83023BB3539B}"/>
               </a:ext>
             </a:extLst>
           </p:cNvPr>
@@ -6780,7 +6796,7 @@
           <p:cNvPr id="4" name="직선 연결선 3">
             <a:extLst>
               <a:ext uri="{FF2B5EF4-FFF2-40B4-BE49-F238E27FC236}">
-                <a16:creationId xmlns:a16="http://schemas.microsoft.com/office/drawing/2014/main" id="{DB9D2B11-1A0A-71AC-476F-0FE7FAC4C718}"/>
+                <a16:creationId xmlns:a16="http://schemas.microsoft.com/office/drawing/2014/main" xmlns="" id="{DB9D2B11-1A0A-71AC-476F-0FE7FAC4C718}"/>
               </a:ext>
             </a:extLst>
           </p:cNvPr>
@@ -7007,7 +7023,7 @@
           <p:cNvPr id="13" name="직선 연결선 12">
             <a:extLst>
               <a:ext uri="{FF2B5EF4-FFF2-40B4-BE49-F238E27FC236}">
-                <a16:creationId xmlns:a16="http://schemas.microsoft.com/office/drawing/2014/main" id="{DB9D2B11-1A0A-71AC-476F-0FE7FAC4C718}"/>
+                <a16:creationId xmlns:a16="http://schemas.microsoft.com/office/drawing/2014/main" xmlns="" id="{DB9D2B11-1A0A-71AC-476F-0FE7FAC4C718}"/>
               </a:ext>
             </a:extLst>
           </p:cNvPr>
@@ -7231,7 +7247,7 @@
           <p:cNvPr id="4" name="직선 연결선 3">
             <a:extLst>
               <a:ext uri="{FF2B5EF4-FFF2-40B4-BE49-F238E27FC236}">
-                <a16:creationId xmlns:a16="http://schemas.microsoft.com/office/drawing/2014/main" id="{DB9D2B11-1A0A-71AC-476F-0FE7FAC4C718}"/>
+                <a16:creationId xmlns:a16="http://schemas.microsoft.com/office/drawing/2014/main" xmlns="" id="{DB9D2B11-1A0A-71AC-476F-0FE7FAC4C718}"/>
               </a:ext>
             </a:extLst>
           </p:cNvPr>
@@ -7858,7 +7874,7 @@
           <p:cNvPr id="4" name="직선 연결선 3">
             <a:extLst>
               <a:ext uri="{FF2B5EF4-FFF2-40B4-BE49-F238E27FC236}">
-                <a16:creationId xmlns:a16="http://schemas.microsoft.com/office/drawing/2014/main" id="{DB9D2B11-1A0A-71AC-476F-0FE7FAC4C718}"/>
+                <a16:creationId xmlns:a16="http://schemas.microsoft.com/office/drawing/2014/main" xmlns="" id="{DB9D2B11-1A0A-71AC-476F-0FE7FAC4C718}"/>
               </a:ext>
             </a:extLst>
           </p:cNvPr>
@@ -8546,7 +8562,7 @@
           <p:cNvPr id="24" name="직선 연결선 23">
             <a:extLst>
               <a:ext uri="{FF2B5EF4-FFF2-40B4-BE49-F238E27FC236}">
-                <a16:creationId xmlns:a16="http://schemas.microsoft.com/office/drawing/2014/main" id="{DB9D2B11-1A0A-71AC-476F-0FE7FAC4C718}"/>
+                <a16:creationId xmlns:a16="http://schemas.microsoft.com/office/drawing/2014/main" xmlns="" id="{DB9D2B11-1A0A-71AC-476F-0FE7FAC4C718}"/>
               </a:ext>
             </a:extLst>
           </p:cNvPr>
@@ -8647,7 +8663,7 @@
           <p:cNvPr id="4" name="직선 연결선 3">
             <a:extLst>
               <a:ext uri="{FF2B5EF4-FFF2-40B4-BE49-F238E27FC236}">
-                <a16:creationId xmlns:a16="http://schemas.microsoft.com/office/drawing/2014/main" id="{DB9D2B11-1A0A-71AC-476F-0FE7FAC4C718}"/>
+                <a16:creationId xmlns:a16="http://schemas.microsoft.com/office/drawing/2014/main" xmlns="" id="{DB9D2B11-1A0A-71AC-476F-0FE7FAC4C718}"/>
               </a:ext>
             </a:extLst>
           </p:cNvPr>
@@ -9189,7 +9205,7 @@
           <p:cNvPr id="4" name="직선 연결선 3">
             <a:extLst>
               <a:ext uri="{FF2B5EF4-FFF2-40B4-BE49-F238E27FC236}">
-                <a16:creationId xmlns:a16="http://schemas.microsoft.com/office/drawing/2014/main" id="{DB9D2B11-1A0A-71AC-476F-0FE7FAC4C718}"/>
+                <a16:creationId xmlns:a16="http://schemas.microsoft.com/office/drawing/2014/main" xmlns="" id="{DB9D2B11-1A0A-71AC-476F-0FE7FAC4C718}"/>
               </a:ext>
             </a:extLst>
           </p:cNvPr>
@@ -9566,7 +9582,7 @@
           <p:cNvPr id="4" name="직선 연결선 3">
             <a:extLst>
               <a:ext uri="{FF2B5EF4-FFF2-40B4-BE49-F238E27FC236}">
-                <a16:creationId xmlns:a16="http://schemas.microsoft.com/office/drawing/2014/main" id="{DB9D2B11-1A0A-71AC-476F-0FE7FAC4C718}"/>
+                <a16:creationId xmlns:a16="http://schemas.microsoft.com/office/drawing/2014/main" xmlns="" id="{DB9D2B11-1A0A-71AC-476F-0FE7FAC4C718}"/>
               </a:ext>
             </a:extLst>
           </p:cNvPr>
@@ -10216,7 +10232,7 @@
   <a:extraClrSchemeLst/>
   <a:extLst>
     <a:ext uri="{05A4C25C-085E-4340-85A3-A5531E510DB2}">
-      <thm15:themeFamily xmlns:thm15="http://schemas.microsoft.com/office/thememl/2012/main" name="Office Theme" id="{62F939B6-93AF-4DB8-9C6B-D6C7DFDC589F}" vid="{4A3C46E8-61CC-4603-A589-7422A47A8E4A}"/>
+      <thm15:themeFamily xmlns:thm15="http://schemas.microsoft.com/office/thememl/2012/main" xmlns="" name="Office Theme" id="{62F939B6-93AF-4DB8-9C6B-D6C7DFDC589F}" vid="{4A3C46E8-61CC-4603-A589-7422A47A8E4A}"/>
     </a:ext>
   </a:extLst>
 </a:theme>
@@ -10265,7 +10281,7 @@
     </a:clrScheme>
     <a:fontScheme name="Office">
       <a:majorFont>
-        <a:latin typeface="맑은 고딕" panose="020F0302020204030204"/>
+        <a:latin typeface="맑은 고딕"/>
         <a:ea typeface=""/>
         <a:cs typeface=""/>
         <a:font script="Jpan" typeface="游ゴシック Light"/>
@@ -10300,7 +10316,7 @@
         <a:font script="Geor" typeface="Sylfaen"/>
       </a:majorFont>
       <a:minorFont>
-        <a:latin typeface="맑은 고딕" panose="020F0502020204030204"/>
+        <a:latin typeface="맑은 고딕"/>
         <a:ea typeface=""/>
         <a:cs typeface=""/>
         <a:font script="Jpan" typeface="游ゴシック"/>
@@ -10477,7 +10493,7 @@
   <a:extraClrSchemeLst/>
   <a:extLst>
     <a:ext uri="{05A4C25C-085E-4340-85A3-A5531E510DB2}">
-      <thm15:themeFamily xmlns:thm15="http://schemas.microsoft.com/office/thememl/2012/main" name="Office Theme" id="{62F939B6-93AF-4DB8-9C6B-D6C7DFDC589F}" vid="{4A3C46E8-61CC-4603-A589-7422A47A8E4A}"/>
+      <thm15:themeFamily xmlns:thm15="http://schemas.microsoft.com/office/thememl/2012/main" xmlns="" name="Office Theme" id="{62F939B6-93AF-4DB8-9C6B-D6C7DFDC589F}" vid="{4A3C46E8-61CC-4603-A589-7422A47A8E4A}"/>
     </a:ext>
   </a:extLst>
 </a:theme>
